--- a/Teamcoop宣讲稿.pptx
+++ b/Teamcoop宣讲稿.pptx
@@ -249,7 +249,7 @@
           <a:p>
             <a:fld id="{84224C68-4212-4DEB-B012-E6C76444101A}" type="datetimeFigureOut">
               <a:rPr lang="zh-CN" altLang="en-US" smtClean="0"/>
-              <a:t>2014/12/13</a:t>
+              <a:t>2014/12/15</a:t>
             </a:fld>
             <a:endParaRPr lang="zh-CN" altLang="en-US"/>
           </a:p>
@@ -422,7 +422,7 @@
           <a:p>
             <a:fld id="{84224C68-4212-4DEB-B012-E6C76444101A}" type="datetimeFigureOut">
               <a:rPr lang="zh-CN" altLang="en-US" smtClean="0"/>
-              <a:t>2014/12/13</a:t>
+              <a:t>2014/12/15</a:t>
             </a:fld>
             <a:endParaRPr lang="zh-CN" altLang="en-US"/>
           </a:p>
@@ -605,7 +605,7 @@
           <a:p>
             <a:fld id="{84224C68-4212-4DEB-B012-E6C76444101A}" type="datetimeFigureOut">
               <a:rPr lang="zh-CN" altLang="en-US" smtClean="0"/>
-              <a:t>2014/12/13</a:t>
+              <a:t>2014/12/15</a:t>
             </a:fld>
             <a:endParaRPr lang="zh-CN" altLang="en-US"/>
           </a:p>
@@ -778,7 +778,7 @@
           <a:p>
             <a:fld id="{84224C68-4212-4DEB-B012-E6C76444101A}" type="datetimeFigureOut">
               <a:rPr lang="zh-CN" altLang="en-US" smtClean="0"/>
-              <a:t>2014/12/13</a:t>
+              <a:t>2014/12/15</a:t>
             </a:fld>
             <a:endParaRPr lang="zh-CN" altLang="en-US"/>
           </a:p>
@@ -1027,7 +1027,7 @@
           <a:p>
             <a:fld id="{84224C68-4212-4DEB-B012-E6C76444101A}" type="datetimeFigureOut">
               <a:rPr lang="zh-CN" altLang="en-US" smtClean="0"/>
-              <a:t>2014/12/13</a:t>
+              <a:t>2014/12/15</a:t>
             </a:fld>
             <a:endParaRPr lang="zh-CN" altLang="en-US"/>
           </a:p>
@@ -1262,7 +1262,7 @@
           <a:p>
             <a:fld id="{84224C68-4212-4DEB-B012-E6C76444101A}" type="datetimeFigureOut">
               <a:rPr lang="zh-CN" altLang="en-US" smtClean="0"/>
-              <a:t>2014/12/13</a:t>
+              <a:t>2014/12/15</a:t>
             </a:fld>
             <a:endParaRPr lang="zh-CN" altLang="en-US"/>
           </a:p>
@@ -1632,7 +1632,7 @@
           <a:p>
             <a:fld id="{84224C68-4212-4DEB-B012-E6C76444101A}" type="datetimeFigureOut">
               <a:rPr lang="zh-CN" altLang="en-US" smtClean="0"/>
-              <a:t>2014/12/13</a:t>
+              <a:t>2014/12/15</a:t>
             </a:fld>
             <a:endParaRPr lang="zh-CN" altLang="en-US"/>
           </a:p>
@@ -1753,7 +1753,7 @@
           <a:p>
             <a:fld id="{84224C68-4212-4DEB-B012-E6C76444101A}" type="datetimeFigureOut">
               <a:rPr lang="zh-CN" altLang="en-US" smtClean="0"/>
-              <a:t>2014/12/13</a:t>
+              <a:t>2014/12/15</a:t>
             </a:fld>
             <a:endParaRPr lang="zh-CN" altLang="en-US"/>
           </a:p>
@@ -1851,7 +1851,7 @@
           <a:p>
             <a:fld id="{84224C68-4212-4DEB-B012-E6C76444101A}" type="datetimeFigureOut">
               <a:rPr lang="zh-CN" altLang="en-US" smtClean="0"/>
-              <a:t>2014/12/13</a:t>
+              <a:t>2014/12/15</a:t>
             </a:fld>
             <a:endParaRPr lang="zh-CN" altLang="en-US"/>
           </a:p>
@@ -2131,7 +2131,7 @@
           <a:p>
             <a:fld id="{84224C68-4212-4DEB-B012-E6C76444101A}" type="datetimeFigureOut">
               <a:rPr lang="zh-CN" altLang="en-US" smtClean="0"/>
-              <a:t>2014/12/13</a:t>
+              <a:t>2014/12/15</a:t>
             </a:fld>
             <a:endParaRPr lang="zh-CN" altLang="en-US"/>
           </a:p>
@@ -2391,7 +2391,7 @@
           <a:p>
             <a:fld id="{84224C68-4212-4DEB-B012-E6C76444101A}" type="datetimeFigureOut">
               <a:rPr lang="zh-CN" altLang="en-US" smtClean="0"/>
-              <a:t>2014/12/13</a:t>
+              <a:t>2014/12/15</a:t>
             </a:fld>
             <a:endParaRPr lang="zh-CN" altLang="en-US"/>
           </a:p>
@@ -2607,7 +2607,7 @@
           <a:p>
             <a:fld id="{84224C68-4212-4DEB-B012-E6C76444101A}" type="datetimeFigureOut">
               <a:rPr lang="zh-CN" altLang="en-US" smtClean="0"/>
-              <a:t>2014/12/13</a:t>
+              <a:t>2014/12/15</a:t>
             </a:fld>
             <a:endParaRPr lang="zh-CN" altLang="en-US"/>
           </a:p>
@@ -3061,11 +3061,11 @@
   <p:clrMapOvr>
     <a:masterClrMapping/>
   </p:clrMapOvr>
-  <mc:AlternateContent xmlns:mc="http://schemas.openxmlformats.org/markup-compatibility/2006">
-    <mc:Choice xmlns:p14="http://schemas.microsoft.com/office/powerpoint/2010/main" Requires="p14">
+  <mc:AlternateContent xmlns:mc="http://schemas.openxmlformats.org/markup-compatibility/2006" xmlns:p14="http://schemas.microsoft.com/office/powerpoint/2010/main">
+    <mc:Choice Requires="p14">
       <p:transition p14:dur="0"/>
     </mc:Choice>
-    <mc:Fallback>
+    <mc:Fallback xmlns="">
       <p:transition/>
     </mc:Fallback>
   </mc:AlternateContent>
@@ -3295,14 +3295,7 @@
                 <a:latin typeface="YaHei Consolas Hybrid" panose="020B0503020204020204" pitchFamily="34" charset="-122"/>
                 <a:ea typeface="YaHei Consolas Hybrid" panose="020B0503020204020204" pitchFamily="34" charset="-122"/>
               </a:rPr>
-              <a:t>课程</a:t>
-            </a:r>
-            <a:r>
-              <a:rPr lang="zh-CN" altLang="en-US" sz="2800" dirty="0" smtClean="0">
-                <a:latin typeface="YaHei Consolas Hybrid" panose="020B0503020204020204" pitchFamily="34" charset="-122"/>
-                <a:ea typeface="YaHei Consolas Hybrid" panose="020B0503020204020204" pitchFamily="34" charset="-122"/>
-              </a:rPr>
-              <a:t>设计</a:t>
+              <a:t>课程设计</a:t>
             </a:r>
             <a:endParaRPr lang="en-US" altLang="zh-CN" sz="2800" dirty="0" smtClean="0">
               <a:latin typeface="YaHei Consolas Hybrid" panose="020B0503020204020204" pitchFamily="34" charset="-122"/>
@@ -3392,14 +3385,7 @@
                 <a:latin typeface="YaHei Consolas Hybrid" panose="020B0503020204020204" pitchFamily="34" charset="-122"/>
                 <a:ea typeface="YaHei Consolas Hybrid" panose="020B0503020204020204" pitchFamily="34" charset="-122"/>
               </a:rPr>
-              <a:t>	team </a:t>
-            </a:r>
-            <a:r>
-              <a:rPr lang="en-US" altLang="zh-CN" sz="2800" dirty="0" smtClean="0">
-                <a:latin typeface="YaHei Consolas Hybrid" panose="020B0503020204020204" pitchFamily="34" charset="-122"/>
-                <a:ea typeface="YaHei Consolas Hybrid" panose="020B0503020204020204" pitchFamily="34" charset="-122"/>
-              </a:rPr>
-              <a:t>+ cooperation</a:t>
+              <a:t>	team + cooperation</a:t>
             </a:r>
           </a:p>
         </p:txBody>
@@ -3485,14 +3471,7 @@
                 <a:latin typeface="YaHei Consolas Hybrid" panose="020B0503020204020204" pitchFamily="34" charset="-122"/>
                 <a:ea typeface="YaHei Consolas Hybrid" panose="020B0503020204020204" pitchFamily="34" charset="-122"/>
               </a:rPr>
-              <a:t>高效</a:t>
-            </a:r>
-            <a:r>
-              <a:rPr lang="zh-CN" altLang="en-US" sz="2800" dirty="0" smtClean="0">
-                <a:latin typeface="YaHei Consolas Hybrid" panose="020B0503020204020204" pitchFamily="34" charset="-122"/>
-                <a:ea typeface="YaHei Consolas Hybrid" panose="020B0503020204020204" pitchFamily="34" charset="-122"/>
-              </a:rPr>
-              <a:t>、协作、沟通</a:t>
+              <a:t>高效、协作、沟通</a:t>
             </a:r>
             <a:endParaRPr lang="zh-CN" altLang="en-US" sz="2800" dirty="0">
               <a:latin typeface="YaHei Consolas Hybrid" panose="020B0503020204020204" pitchFamily="34" charset="-122"/>
@@ -4618,7 +4597,7 @@
         <p:spPr>
           <a:xfrm>
             <a:off x="1981524" y="2352257"/>
-            <a:ext cx="5039207" cy="523220"/>
+            <a:ext cx="5333676" cy="523220"/>
           </a:xfrm>
           <a:prstGeom prst="rect">
             <a:avLst/>
@@ -4639,11 +4618,11 @@
               <a:t>	</a:t>
             </a:r>
             <a:r>
-              <a:rPr lang="en-US" altLang="zh-CN" sz="2800" dirty="0" err="1" smtClean="0">
+              <a:rPr lang="en-US" altLang="zh-CN" sz="2800" dirty="0" smtClean="0">
                 <a:latin typeface="YaHei Consolas Hybrid" panose="020B0503020204020204" pitchFamily="34" charset="-122"/>
                 <a:ea typeface="YaHei Consolas Hybrid" panose="020B0503020204020204" pitchFamily="34" charset="-122"/>
               </a:rPr>
-              <a:t>html+css+javascript</a:t>
+              <a:t>html5+css3+javascript</a:t>
             </a:r>
             <a:endParaRPr lang="en-US" altLang="zh-CN" sz="2800" dirty="0" smtClean="0">
               <a:latin typeface="YaHei Consolas Hybrid" panose="020B0503020204020204" pitchFamily="34" charset="-122"/>
@@ -4719,7 +4698,14 @@
                 <a:latin typeface="YaHei Consolas Hybrid" panose="020B0503020204020204" pitchFamily="34" charset="-122"/>
                 <a:ea typeface="YaHei Consolas Hybrid" panose="020B0503020204020204" pitchFamily="34" charset="-122"/>
               </a:rPr>
-              <a:t>	python</a:t>
+              <a:t>	</a:t>
+            </a:r>
+            <a:r>
+              <a:rPr lang="en-US" altLang="zh-CN" sz="2800" dirty="0" smtClean="0">
+                <a:latin typeface="YaHei Consolas Hybrid" panose="020B0503020204020204" pitchFamily="34" charset="-122"/>
+                <a:ea typeface="YaHei Consolas Hybrid" panose="020B0503020204020204" pitchFamily="34" charset="-122"/>
+              </a:rPr>
+              <a:t>python2.7</a:t>
             </a:r>
             <a:endParaRPr lang="en-US" altLang="zh-CN" sz="2800" dirty="0" smtClean="0">
               <a:latin typeface="YaHei Consolas Hybrid" panose="020B0503020204020204" pitchFamily="34" charset="-122"/>
@@ -5305,10 +5291,6 @@
               </a:rPr>
               <a:t>后台</a:t>
             </a:r>
-            <a:endParaRPr lang="zh-CN" altLang="en-US" sz="4800" dirty="0">
-              <a:latin typeface="YaHei Consolas Hybrid" panose="020B0503020204020204" pitchFamily="34" charset="-122"/>
-              <a:ea typeface="YaHei Consolas Hybrid" panose="020B0503020204020204" pitchFamily="34" charset="-122"/>
-            </a:endParaRPr>
           </a:p>
         </p:txBody>
       </p:sp>
